--- a/pres.pptx
+++ b/pres.pptx
@@ -3472,17 +3472,37 @@
           <a:lstStyle/>
           <a:p>
             <a:r>
-              <a:rPr lang="de-DE" dirty="0" err="1"/>
-              <a:t>Lies</a:t>
-            </a:r>
-            <a:r>
               <a:rPr lang="de-DE" dirty="0"/>
-              <a:t> eine Tabelle Batchweise aus bis nur noch nur noch eine leere Liste </a:t>
-            </a:r>
-            <a:r>
-              <a:rPr lang="de-DE"/>
-              <a:t>zurück komm</a:t>
-            </a:r>
+              <a:t>Es wird  eine Tabelle Batchweise ausgelesen, bis nur noch nur noch eine leere Liste zurück kommt</a:t>
+            </a:r>
+          </a:p>
+          <a:p>
+            <a:r>
+              <a:rPr lang="de-DE" dirty="0"/>
+              <a:t>Jeder Tabellen-Batch wird als kleine Tabelle ausgelesen und in Spalten geteilt</a:t>
+            </a:r>
+          </a:p>
+          <a:p>
+            <a:r>
+              <a:rPr lang="de-DE" dirty="0"/>
+              <a:t>Die Spalten zu einer Datei werden anhand des Spaltennamens zusammengefasst und im Anschluss gegen alle existierenden Spalten, die nicht zu der Tabelle gehört, wird die Tabelle gepaart</a:t>
+            </a:r>
+          </a:p>
+          <a:p>
+            <a:r>
+              <a:rPr lang="de-DE" dirty="0"/>
+              <a:t>Jedes Tabellenpaar wird </a:t>
+            </a:r>
+            <a:r>
+              <a:rPr lang="de-DE"/>
+              <a:t>auf Untermengenverhältnisse geprüft</a:t>
+            </a:r>
+          </a:p>
+          <a:p>
+            <a:endParaRPr lang="de-DE" dirty="0"/>
+          </a:p>
+          <a:p>
+            <a:endParaRPr lang="de-DE" dirty="0"/>
           </a:p>
         </p:txBody>
       </p:sp>

--- a/pres.pptx
+++ b/pres.pptx
@@ -7,6 +7,7 @@
   <p:sldIdLst>
     <p:sldId id="256" r:id="rId2"/>
     <p:sldId id="257" r:id="rId3"/>
+    <p:sldId id="258" r:id="rId4"/>
   </p:sldIdLst>
   <p:sldSz cx="12192000" cy="6858000"/>
   <p:notesSz cx="6858000" cy="9144000"/>
@@ -3491,11 +3492,7 @@
           <a:p>
             <a:r>
               <a:rPr lang="de-DE" dirty="0"/>
-              <a:t>Jedes Tabellenpaar wird </a:t>
-            </a:r>
-            <a:r>
-              <a:rPr lang="de-DE"/>
-              <a:t>auf Untermengenverhältnisse geprüft</a:t>
+              <a:t>Jedes Tabellenpaar wird auf Untermengenverhältnisse geprüft</a:t>
             </a:r>
           </a:p>
           <a:p>
@@ -3503,6 +3500,108 @@
           </a:p>
           <a:p>
             <a:endParaRPr lang="de-DE" dirty="0"/>
+          </a:p>
+        </p:txBody>
+      </p:sp>
+      <p:sp>
+        <p:nvSpPr>
+          <p:cNvPr id="4" name="Rectangle 1">
+            <a:extLst>
+              <a:ext uri="{FF2B5EF4-FFF2-40B4-BE49-F238E27FC236}">
+                <a16:creationId xmlns:a16="http://schemas.microsoft.com/office/drawing/2014/main" id="{9DD7DB13-B497-18E9-3C46-12C3682F837A}"/>
+              </a:ext>
+            </a:extLst>
+          </p:cNvPr>
+          <p:cNvSpPr>
+            <a:spLocks noChangeArrowheads="1"/>
+          </p:cNvSpPr>
+          <p:nvPr/>
+        </p:nvSpPr>
+        <p:spPr bwMode="auto">
+          <a:xfrm>
+            <a:off x="0" y="0"/>
+            <a:ext cx="12192000" cy="457200"/>
+          </a:xfrm>
+          <a:prstGeom prst="rect">
+            <a:avLst/>
+          </a:prstGeom>
+          <a:solidFill>
+            <a:srgbClr val="FFFFFF"/>
+          </a:solidFill>
+          <a:ln>
+            <a:noFill/>
+          </a:ln>
+          <a:effectLst/>
+          <a:extLst>
+            <a:ext uri="{91240B29-F687-4F45-9708-019B960494DF}">
+              <a14:hiddenLine xmlns:a14="http://schemas.microsoft.com/office/drawing/2010/main" w="9525">
+                <a:solidFill>
+                  <a:schemeClr val="tx1"/>
+                </a:solidFill>
+                <a:miter lim="800000"/>
+                <a:headEnd/>
+                <a:tailEnd/>
+              </a14:hiddenLine>
+            </a:ext>
+            <a:ext uri="{AF507438-7753-43E0-B8FC-AC1667EBCBE1}">
+              <a14:hiddenEffects xmlns:a14="http://schemas.microsoft.com/office/drawing/2010/main">
+                <a:effectLst>
+                  <a:outerShdw dist="35921" dir="2700000" algn="ctr" rotWithShape="0">
+                    <a:schemeClr val="bg2"/>
+                  </a:outerShdw>
+                </a:effectLst>
+              </a14:hiddenEffects>
+            </a:ext>
+          </a:extLst>
+        </p:spPr>
+        <p:txBody>
+          <a:bodyPr vert="horz" wrap="none" lIns="91440" tIns="45720" rIns="91440" bIns="45720" numCol="1" anchor="ctr" anchorCtr="0" compatLnSpc="1">
+            <a:prstTxWarp prst="textNoShape">
+              <a:avLst/>
+            </a:prstTxWarp>
+            <a:spAutoFit/>
+          </a:bodyPr>
+          <a:lstStyle/>
+          <a:p>
+            <a:pPr marL="0" marR="0" lvl="0" indent="0" algn="l" defTabSz="914400" rtl="0" eaLnBrk="0" fontAlgn="base" latinLnBrk="0" hangingPunct="0">
+              <a:lnSpc>
+                <a:spcPct val="100000"/>
+              </a:lnSpc>
+              <a:spcBef>
+                <a:spcPct val="0"/>
+              </a:spcBef>
+              <a:spcAft>
+                <a:spcPct val="0"/>
+              </a:spcAft>
+              <a:buClrTx/>
+              <a:buSzTx/>
+              <a:buFontTx/>
+              <a:buNone/>
+              <a:tabLst/>
+            </a:pPr>
+            <a:r>
+              <a:rPr kumimoji="0" lang="de-DE" altLang="de-DE" sz="1000" b="0" i="0" u="none" strike="noStrike" cap="none" normalizeH="0" baseline="0">
+                <a:ln>
+                  <a:noFill/>
+                </a:ln>
+                <a:solidFill>
+                  <a:srgbClr val="067D17"/>
+                </a:solidFill>
+                <a:effectLst/>
+                <a:latin typeface="JetBrains Mono"/>
+              </a:rPr>
+              <a:t>firstInSecond*0.1&lt;=1</a:t>
+            </a:r>
+            <a:endParaRPr kumimoji="0" lang="de-DE" altLang="de-DE" sz="1800" b="0" i="0" u="none" strike="noStrike" cap="none" normalizeH="0" baseline="0">
+              <a:ln>
+                <a:noFill/>
+              </a:ln>
+              <a:solidFill>
+                <a:schemeClr val="tx1"/>
+              </a:solidFill>
+              <a:effectLst/>
+              <a:latin typeface="Arial" panose="020B0604020202020204" pitchFamily="34" charset="0"/>
+            </a:endParaRPr>
           </a:p>
         </p:txBody>
       </p:sp>
@@ -3510,6 +3609,107 @@
     <p:extLst>
       <p:ext uri="{BB962C8B-B14F-4D97-AF65-F5344CB8AC3E}">
         <p14:creationId xmlns:p14="http://schemas.microsoft.com/office/powerpoint/2010/main" val="4051020851"/>
+      </p:ext>
+    </p:extLst>
+  </p:cSld>
+  <p:clrMapOvr>
+    <a:masterClrMapping/>
+  </p:clrMapOvr>
+</p:sld>
+</file>
+
+<file path=ppt/slides/slide3.xml><?xml version="1.0" encoding="utf-8"?>
+<p:sld xmlns:a="http://schemas.openxmlformats.org/drawingml/2006/main" xmlns:r="http://schemas.openxmlformats.org/officeDocument/2006/relationships" xmlns:p="http://schemas.openxmlformats.org/presentationml/2006/main">
+  <p:cSld>
+    <p:spTree>
+      <p:nvGrpSpPr>
+        <p:cNvPr id="1" name=""/>
+        <p:cNvGrpSpPr/>
+        <p:nvPr/>
+      </p:nvGrpSpPr>
+      <p:grpSpPr>
+        <a:xfrm>
+          <a:off x="0" y="0"/>
+          <a:ext cx="0" cy="0"/>
+          <a:chOff x="0" y="0"/>
+          <a:chExt cx="0" cy="0"/>
+        </a:xfrm>
+      </p:grpSpPr>
+      <p:sp>
+        <p:nvSpPr>
+          <p:cNvPr id="2" name="Titel 1">
+            <a:extLst>
+              <a:ext uri="{FF2B5EF4-FFF2-40B4-BE49-F238E27FC236}">
+                <a16:creationId xmlns:a16="http://schemas.microsoft.com/office/drawing/2014/main" id="{5437DE8A-A028-2891-2739-762F167CD959}"/>
+              </a:ext>
+            </a:extLst>
+          </p:cNvPr>
+          <p:cNvSpPr>
+            <a:spLocks noGrp="1"/>
+          </p:cNvSpPr>
+          <p:nvPr>
+            <p:ph type="title"/>
+          </p:nvPr>
+        </p:nvSpPr>
+        <p:spPr/>
+        <p:txBody>
+          <a:bodyPr/>
+          <a:lstStyle/>
+          <a:p>
+            <a:r>
+              <a:rPr lang="de-DE" dirty="0"/>
+              <a:t>Untermengenvergleich</a:t>
+            </a:r>
+          </a:p>
+        </p:txBody>
+      </p:sp>
+      <p:sp>
+        <p:nvSpPr>
+          <p:cNvPr id="3" name="Inhaltsplatzhalter 2">
+            <a:extLst>
+              <a:ext uri="{FF2B5EF4-FFF2-40B4-BE49-F238E27FC236}">
+                <a16:creationId xmlns:a16="http://schemas.microsoft.com/office/drawing/2014/main" id="{1FC9D6D4-533B-BB41-F690-5DFCCAC787AD}"/>
+              </a:ext>
+            </a:extLst>
+          </p:cNvPr>
+          <p:cNvSpPr>
+            <a:spLocks noGrp="1"/>
+          </p:cNvSpPr>
+          <p:nvPr>
+            <p:ph idx="1"/>
+          </p:nvPr>
+        </p:nvSpPr>
+        <p:spPr/>
+        <p:txBody>
+          <a:bodyPr/>
+          <a:lstStyle/>
+          <a:p>
+            <a:r>
+              <a:rPr lang="de-DE" dirty="0"/>
+              <a:t>Unter einem Zehntel oder mit einer Ausnahme werden die Untermengen anerkannt</a:t>
+            </a:r>
+          </a:p>
+          <a:p>
+            <a:r>
+              <a:rPr lang="de-DE" dirty="0"/>
+              <a:t>Die Obermenge muss mindestens </a:t>
+            </a:r>
+            <a:r>
+              <a:rPr lang="de-DE" dirty="0" err="1"/>
+              <a:t>soviele</a:t>
+            </a:r>
+            <a:r>
+              <a:rPr lang="de-DE"/>
+              <a:t> </a:t>
+            </a:r>
+            <a:endParaRPr lang="de-DE" dirty="0"/>
+          </a:p>
+        </p:txBody>
+      </p:sp>
+    </p:spTree>
+    <p:extLst>
+      <p:ext uri="{BB962C8B-B14F-4D97-AF65-F5344CB8AC3E}">
+        <p14:creationId xmlns:p14="http://schemas.microsoft.com/office/powerpoint/2010/main" val="3509204427"/>
       </p:ext>
     </p:extLst>
   </p:cSld>

--- a/pres.pptx
+++ b/pres.pptx
@@ -272,7 +272,7 @@
           <a:p>
             <a:fld id="{8A1F6E52-050C-40A8-8B99-B86FD3C2421B}" type="datetimeFigureOut">
               <a:rPr lang="de-DE" smtClean="0"/>
-              <a:t>02.01.2024</a:t>
+              <a:t>07.01.2024</a:t>
             </a:fld>
             <a:endParaRPr lang="de-DE"/>
           </a:p>
@@ -470,7 +470,7 @@
           <a:p>
             <a:fld id="{8A1F6E52-050C-40A8-8B99-B86FD3C2421B}" type="datetimeFigureOut">
               <a:rPr lang="de-DE" smtClean="0"/>
-              <a:t>02.01.2024</a:t>
+              <a:t>07.01.2024</a:t>
             </a:fld>
             <a:endParaRPr lang="de-DE"/>
           </a:p>
@@ -678,7 +678,7 @@
           <a:p>
             <a:fld id="{8A1F6E52-050C-40A8-8B99-B86FD3C2421B}" type="datetimeFigureOut">
               <a:rPr lang="de-DE" smtClean="0"/>
-              <a:t>02.01.2024</a:t>
+              <a:t>07.01.2024</a:t>
             </a:fld>
             <a:endParaRPr lang="de-DE"/>
           </a:p>
@@ -876,7 +876,7 @@
           <a:p>
             <a:fld id="{8A1F6E52-050C-40A8-8B99-B86FD3C2421B}" type="datetimeFigureOut">
               <a:rPr lang="de-DE" smtClean="0"/>
-              <a:t>02.01.2024</a:t>
+              <a:t>07.01.2024</a:t>
             </a:fld>
             <a:endParaRPr lang="de-DE"/>
           </a:p>
@@ -1151,7 +1151,7 @@
           <a:p>
             <a:fld id="{8A1F6E52-050C-40A8-8B99-B86FD3C2421B}" type="datetimeFigureOut">
               <a:rPr lang="de-DE" smtClean="0"/>
-              <a:t>02.01.2024</a:t>
+              <a:t>07.01.2024</a:t>
             </a:fld>
             <a:endParaRPr lang="de-DE"/>
           </a:p>
@@ -1416,7 +1416,7 @@
           <a:p>
             <a:fld id="{8A1F6E52-050C-40A8-8B99-B86FD3C2421B}" type="datetimeFigureOut">
               <a:rPr lang="de-DE" smtClean="0"/>
-              <a:t>02.01.2024</a:t>
+              <a:t>07.01.2024</a:t>
             </a:fld>
             <a:endParaRPr lang="de-DE"/>
           </a:p>
@@ -1828,7 +1828,7 @@
           <a:p>
             <a:fld id="{8A1F6E52-050C-40A8-8B99-B86FD3C2421B}" type="datetimeFigureOut">
               <a:rPr lang="de-DE" smtClean="0"/>
-              <a:t>02.01.2024</a:t>
+              <a:t>07.01.2024</a:t>
             </a:fld>
             <a:endParaRPr lang="de-DE"/>
           </a:p>
@@ -1969,7 +1969,7 @@
           <a:p>
             <a:fld id="{8A1F6E52-050C-40A8-8B99-B86FD3C2421B}" type="datetimeFigureOut">
               <a:rPr lang="de-DE" smtClean="0"/>
-              <a:t>02.01.2024</a:t>
+              <a:t>07.01.2024</a:t>
             </a:fld>
             <a:endParaRPr lang="de-DE"/>
           </a:p>
@@ -2082,7 +2082,7 @@
           <a:p>
             <a:fld id="{8A1F6E52-050C-40A8-8B99-B86FD3C2421B}" type="datetimeFigureOut">
               <a:rPr lang="de-DE" smtClean="0"/>
-              <a:t>02.01.2024</a:t>
+              <a:t>07.01.2024</a:t>
             </a:fld>
             <a:endParaRPr lang="de-DE"/>
           </a:p>
@@ -2393,7 +2393,7 @@
           <a:p>
             <a:fld id="{8A1F6E52-050C-40A8-8B99-B86FD3C2421B}" type="datetimeFigureOut">
               <a:rPr lang="de-DE" smtClean="0"/>
-              <a:t>02.01.2024</a:t>
+              <a:t>07.01.2024</a:t>
             </a:fld>
             <a:endParaRPr lang="de-DE"/>
           </a:p>
@@ -2681,7 +2681,7 @@
           <a:p>
             <a:fld id="{8A1F6E52-050C-40A8-8B99-B86FD3C2421B}" type="datetimeFigureOut">
               <a:rPr lang="de-DE" smtClean="0"/>
-              <a:t>02.01.2024</a:t>
+              <a:t>07.01.2024</a:t>
             </a:fld>
             <a:endParaRPr lang="de-DE"/>
           </a:p>
@@ -2922,7 +2922,7 @@
           <a:p>
             <a:fld id="{8A1F6E52-050C-40A8-8B99-B86FD3C2421B}" type="datetimeFigureOut">
               <a:rPr lang="de-DE" smtClean="0"/>
-              <a:t>02.01.2024</a:t>
+              <a:t>07.01.2024</a:t>
             </a:fld>
             <a:endParaRPr lang="de-DE"/>
           </a:p>
@@ -3657,55 +3657,110 @@
           <a:lstStyle/>
           <a:p>
             <a:r>
-              <a:rPr lang="de-DE" dirty="0"/>
-              <a:t>Untermengenvergleich</a:t>
-            </a:r>
-          </a:p>
-        </p:txBody>
-      </p:sp>
-      <p:sp>
-        <p:nvSpPr>
-          <p:cNvPr id="3" name="Inhaltsplatzhalter 2">
-            <a:extLst>
-              <a:ext uri="{FF2B5EF4-FFF2-40B4-BE49-F238E27FC236}">
-                <a16:creationId xmlns:a16="http://schemas.microsoft.com/office/drawing/2014/main" id="{1FC9D6D4-533B-BB41-F690-5DFCCAC787AD}"/>
-              </a:ext>
-            </a:extLst>
-          </p:cNvPr>
-          <p:cNvSpPr>
-            <a:spLocks noGrp="1"/>
-          </p:cNvSpPr>
-          <p:nvPr>
-            <p:ph idx="1"/>
-          </p:nvPr>
-        </p:nvSpPr>
-        <p:spPr/>
-        <p:txBody>
-          <a:bodyPr/>
-          <a:lstStyle/>
-          <a:p>
-            <a:r>
-              <a:rPr lang="de-DE" dirty="0"/>
-              <a:t>Unter einem Zehntel oder mit einer Ausnahme werden die Untermengen anerkannt</a:t>
-            </a:r>
-          </a:p>
-          <a:p>
-            <a:r>
-              <a:rPr lang="de-DE" dirty="0"/>
-              <a:t>Die Obermenge muss mindestens </a:t>
-            </a:r>
-            <a:r>
               <a:rPr lang="de-DE" dirty="0" err="1"/>
-              <a:t>soviele</a:t>
-            </a:r>
-            <a:r>
-              <a:rPr lang="de-DE"/>
-              <a:t> </a:t>
+              <a:t>InclusionDependency</a:t>
             </a:r>
             <a:endParaRPr lang="de-DE" dirty="0"/>
           </a:p>
         </p:txBody>
       </p:sp>
+      <mc:AlternateContent xmlns:mc="http://schemas.openxmlformats.org/markup-compatibility/2006">
+        <mc:Choice xmlns:a14="http://schemas.microsoft.com/office/drawing/2010/main" Requires="a14">
+          <p:sp>
+            <p:nvSpPr>
+              <p:cNvPr id="3" name="Inhaltsplatzhalter 2">
+                <a:extLst>
+                  <a:ext uri="{FF2B5EF4-FFF2-40B4-BE49-F238E27FC236}">
+                    <a16:creationId xmlns:a16="http://schemas.microsoft.com/office/drawing/2014/main" id="{1FC9D6D4-533B-BB41-F690-5DFCCAC787AD}"/>
+                  </a:ext>
+                </a:extLst>
+              </p:cNvPr>
+              <p:cNvSpPr>
+                <a:spLocks noGrp="1"/>
+              </p:cNvSpPr>
+              <p:nvPr>
+                <p:ph idx="1"/>
+              </p:nvPr>
+            </p:nvSpPr>
+            <p:spPr/>
+            <p:txBody>
+              <a:bodyPr/>
+              <a:lstStyle/>
+              <a:p>
+                <a:r>
+                  <a:rPr lang="de-DE" dirty="0"/>
+                  <a:t>Unter einem Zehntel oder mit einer Ausnahme werden die Untermengen anerkannt</a:t>
+                </a:r>
+              </a:p>
+              <a:p>
+                <a:r>
+                  <a:rPr lang="de-DE" dirty="0"/>
+                  <a:t>Und wenn A hat eine ID zu B (A</a:t>
+                </a:r>
+                <a14:m>
+                  <m:oMath xmlns:m="http://schemas.openxmlformats.org/officeDocument/2006/math">
+                    <m:r>
+                      <a:rPr lang="de-DE" i="1" smtClean="0">
+                        <a:latin typeface="Cambria Math" panose="02040503050406030204" pitchFamily="18" charset="0"/>
+                        <a:ea typeface="Cambria Math" panose="02040503050406030204" pitchFamily="18" charset="0"/>
+                      </a:rPr>
+                      <m:t>⊇</m:t>
+                    </m:r>
+                  </m:oMath>
+                </a14:m>
+                <a:r>
+                  <a:rPr lang="de-DE" dirty="0"/>
+                  <a:t>B, also A der Primärschlüssel, B der Fremdschlüssel), und B hat eine ID zu C, dann </a:t>
+                </a:r>
+                <a:r>
+                  <a:rPr lang="de-DE"/>
+                  <a:t>gilt auch A hat eine ID zu C</a:t>
+                </a:r>
+                <a:endParaRPr lang="de-DE" dirty="0"/>
+              </a:p>
+            </p:txBody>
+          </p:sp>
+        </mc:Choice>
+        <mc:Fallback>
+          <p:sp>
+            <p:nvSpPr>
+              <p:cNvPr id="3" name="Inhaltsplatzhalter 2">
+                <a:extLst>
+                  <a:ext uri="{FF2B5EF4-FFF2-40B4-BE49-F238E27FC236}">
+                    <a16:creationId xmlns:a16="http://schemas.microsoft.com/office/drawing/2014/main" id="{1FC9D6D4-533B-BB41-F690-5DFCCAC787AD}"/>
+                  </a:ext>
+                </a:extLst>
+              </p:cNvPr>
+              <p:cNvSpPr>
+                <a:spLocks noGrp="1" noRot="1" noChangeAspect="1" noMove="1" noResize="1" noEditPoints="1" noAdjustHandles="1" noChangeArrowheads="1" noChangeShapeType="1" noTextEdit="1"/>
+              </p:cNvSpPr>
+              <p:nvPr>
+                <p:ph idx="1"/>
+              </p:nvPr>
+            </p:nvSpPr>
+            <p:spPr>
+              <a:blipFill>
+                <a:blip r:embed="rId2"/>
+                <a:stretch>
+                  <a:fillRect l="-1043" t="-2241"/>
+                </a:stretch>
+              </a:blipFill>
+            </p:spPr>
+            <p:txBody>
+              <a:bodyPr/>
+              <a:lstStyle/>
+              <a:p>
+                <a:r>
+                  <a:rPr lang="de-DE">
+                    <a:noFill/>
+                  </a:rPr>
+                  <a:t> </a:t>
+                </a:r>
+              </a:p>
+            </p:txBody>
+          </p:sp>
+        </mc:Fallback>
+      </mc:AlternateContent>
     </p:spTree>
     <p:extLst>
       <p:ext uri="{BB962C8B-B14F-4D97-AF65-F5344CB8AC3E}">

--- a/pres.pptx
+++ b/pres.pptx
@@ -3710,13 +3710,8 @@
                 </a14:m>
                 <a:r>
                   <a:rPr lang="de-DE" dirty="0"/>
-                  <a:t>B, also A der Primärschlüssel, B der Fremdschlüssel), und B hat eine ID zu C, dann </a:t>
+                  <a:t>B, also A der Primärschlüssel, B der Fremdschlüssel), und B hat eine ID zu C, dann gilt auch A hat eine ID zu C</a:t>
                 </a:r>
-                <a:r>
-                  <a:rPr lang="de-DE"/>
-                  <a:t>gilt auch A hat eine ID zu C</a:t>
-                </a:r>
-                <a:endParaRPr lang="de-DE" dirty="0"/>
               </a:p>
             </p:txBody>
           </p:sp>
